--- a/REPO_MarksCodeAndPPTs/DotNetPPTs/dotnetWeek3Ppts/D13_.NET_HTTPRequestLifeCycle.pptx
+++ b/REPO_MarksCodeAndPPTs/DotNetPPTs/dotnetWeek3Ppts/D13_.NET_HTTPRequestLifeCycle.pptx
@@ -381,7 +381,7 @@
           <a:p>
             <a:fld id="{9184DA70-C731-4C70-880D-CCD4705E623C}" type="datetime1">
               <a:rPr lang="en-US" smtClean="0"/>
-              <a:t>3/23/2020</a:t>
+              <a:t>3/25/2020</a:t>
             </a:fld>
             <a:endParaRPr lang="en-US" dirty="0"/>
           </a:p>
@@ -569,7 +569,7 @@
           <a:p>
             <a:fld id="{B612A279-0833-481D-8C56-F67FD0AC6C50}" type="datetime1">
               <a:rPr lang="en-US" smtClean="0"/>
-              <a:t>3/23/2020</a:t>
+              <a:t>3/25/2020</a:t>
             </a:fld>
             <a:endParaRPr lang="en-US" dirty="0"/>
           </a:p>
@@ -811,7 +811,7 @@
           <a:p>
             <a:fld id="{6587DA83-5663-4C9C-B9AA-0B40A3DAFF81}" type="datetime1">
               <a:rPr lang="en-US" smtClean="0"/>
-              <a:t>3/23/2020</a:t>
+              <a:t>3/25/2020</a:t>
             </a:fld>
             <a:endParaRPr lang="en-US" dirty="0"/>
           </a:p>
@@ -999,7 +999,7 @@
           <a:p>
             <a:fld id="{4BE1D723-8F53-4F53-90B0-1982A396982E}" type="datetime1">
               <a:rPr lang="en-US" smtClean="0"/>
-              <a:t>3/23/2020</a:t>
+              <a:t>3/25/2020</a:t>
             </a:fld>
             <a:endParaRPr lang="en-US" dirty="0"/>
           </a:p>
@@ -1372,7 +1372,7 @@
           <a:p>
             <a:fld id="{97669AF7-7BEB-44E4-9852-375E34362B5B}" type="datetime1">
               <a:rPr lang="en-US" smtClean="0"/>
-              <a:t>3/23/2020</a:t>
+              <a:t>3/25/2020</a:t>
             </a:fld>
             <a:endParaRPr lang="en-US" dirty="0"/>
           </a:p>
@@ -1627,7 +1627,7 @@
           <a:p>
             <a:fld id="{BAAAC38D-0552-4C82-B593-E6124DFADBE2}" type="datetime1">
               <a:rPr lang="en-US" smtClean="0"/>
-              <a:t>3/23/2020</a:t>
+              <a:t>3/25/2020</a:t>
             </a:fld>
             <a:endParaRPr lang="en-US" dirty="0"/>
           </a:p>
@@ -2024,7 +2024,7 @@
           <a:p>
             <a:fld id="{D9DF0F1C-5577-4ACB-BB62-DF8F3C494C7E}" type="datetime1">
               <a:rPr lang="en-US" smtClean="0"/>
-              <a:t>3/23/2020</a:t>
+              <a:t>3/25/2020</a:t>
             </a:fld>
             <a:endParaRPr lang="en-US" dirty="0"/>
           </a:p>
@@ -2160,7 +2160,7 @@
           <a:p>
             <a:fld id="{1775B394-D9F9-4F0C-B15D-605F45CB9E9F}" type="datetime1">
               <a:rPr lang="en-US" smtClean="0"/>
-              <a:t>3/23/2020</a:t>
+              <a:t>3/25/2020</a:t>
             </a:fld>
             <a:endParaRPr lang="en-US" dirty="0"/>
           </a:p>
@@ -2317,7 +2317,7 @@
           <a:p>
             <a:fld id="{39667345-2558-425A-8533-9BFDBCE15005}" type="datetime1">
               <a:rPr lang="en-US" smtClean="0"/>
-              <a:t>3/23/2020</a:t>
+              <a:t>3/25/2020</a:t>
             </a:fld>
             <a:endParaRPr lang="en-US" dirty="0"/>
           </a:p>
@@ -2646,7 +2646,7 @@
           <a:p>
             <a:fld id="{92BEA474-078D-4E9B-9B14-09A87B19DC46}" type="datetime1">
               <a:rPr lang="en-US" smtClean="0"/>
-              <a:t>3/23/2020</a:t>
+              <a:t>3/25/2020</a:t>
             </a:fld>
             <a:endParaRPr lang="en-US" dirty="0"/>
           </a:p>
@@ -2996,7 +2996,7 @@
           <a:p>
             <a:fld id="{4907D986-8816-4272-A432-0437A28A9828}" type="datetime1">
               <a:rPr lang="en-US" smtClean="0"/>
-              <a:t>3/23/2020</a:t>
+              <a:t>3/25/2020</a:t>
             </a:fld>
             <a:endParaRPr lang="en-US" dirty="0"/>
           </a:p>
@@ -3257,7 +3257,7 @@
           <a:p>
             <a:fld id="{62D6E202-B606-4609-B914-27C9371A1F6D}" type="datetime1">
               <a:rPr lang="en-US" smtClean="0"/>
-              <a:t>3/23/2020</a:t>
+              <a:t>3/25/2020</a:t>
             </a:fld>
             <a:endParaRPr lang="en-US" dirty="0"/>
           </a:p>
@@ -6225,8 +6225,12 @@
           </a:p>
           <a:p>
             <a:r>
+              <a:rPr lang="en-US"/>
+              <a:t>The HTTP </a:t>
+            </a:r>
+            <a:r>
               <a:rPr lang="en-US" dirty="0"/>
-              <a:t>The TCP default port is port :80. </a:t>
+              <a:t>default port is port :80. </a:t>
             </a:r>
           </a:p>
           <a:p>

--- a/REPO_MarksCodeAndPPTs/DotNetPPTs/dotnetWeek3Ppts/D13_.NET_HTTPRequestLifeCycle.pptx
+++ b/REPO_MarksCodeAndPPTs/DotNetPPTs/dotnetWeek3Ppts/D13_.NET_HTTPRequestLifeCycle.pptx
@@ -17,6 +17,9 @@
     <p:sldId id="262" r:id="rId11"/>
     <p:sldId id="273" r:id="rId12"/>
     <p:sldId id="274" r:id="rId13"/>
+    <p:sldId id="277" r:id="rId14"/>
+    <p:sldId id="276" r:id="rId15"/>
+    <p:sldId id="275" r:id="rId16"/>
   </p:sldIdLst>
   <p:sldSz cx="12192000" cy="6858000"/>
   <p:notesSz cx="6858000" cy="9144000"/>
@@ -132,7 +135,7 @@
 <file path=ppt/revisionInfo.xml><?xml version="1.0" encoding="utf-8"?>
 <p1510:revInfo xmlns:a="http://schemas.openxmlformats.org/drawingml/2006/main" xmlns:r="http://schemas.openxmlformats.org/officeDocument/2006/relationships" xmlns:p1510="http://schemas.microsoft.com/office/powerpoint/2015/10/main">
   <p1510:revLst>
-    <p1510:client id="{D719B22A-9A5F-4285-80FA-644F3BA1D76B}" v="240" dt="2020-03-23T17:15:44.853"/>
+    <p1510:client id="{AD006AF6-D7A9-441C-BD4D-4BD820302550}" v="21" dt="2020-04-09T16:14:54.326"/>
   </p1510:revLst>
 </p1510:revInfo>
 </file>
@@ -381,7 +384,7 @@
           <a:p>
             <a:fld id="{9184DA70-C731-4C70-880D-CCD4705E623C}" type="datetime1">
               <a:rPr lang="en-US" smtClean="0"/>
-              <a:t>3/25/2020</a:t>
+              <a:t>4/9/2020</a:t>
             </a:fld>
             <a:endParaRPr lang="en-US" dirty="0"/>
           </a:p>
@@ -569,7 +572,7 @@
           <a:p>
             <a:fld id="{B612A279-0833-481D-8C56-F67FD0AC6C50}" type="datetime1">
               <a:rPr lang="en-US" smtClean="0"/>
-              <a:t>3/25/2020</a:t>
+              <a:t>4/9/2020</a:t>
             </a:fld>
             <a:endParaRPr lang="en-US" dirty="0"/>
           </a:p>
@@ -811,7 +814,7 @@
           <a:p>
             <a:fld id="{6587DA83-5663-4C9C-B9AA-0B40A3DAFF81}" type="datetime1">
               <a:rPr lang="en-US" smtClean="0"/>
-              <a:t>3/25/2020</a:t>
+              <a:t>4/9/2020</a:t>
             </a:fld>
             <a:endParaRPr lang="en-US" dirty="0"/>
           </a:p>
@@ -999,7 +1002,7 @@
           <a:p>
             <a:fld id="{4BE1D723-8F53-4F53-90B0-1982A396982E}" type="datetime1">
               <a:rPr lang="en-US" smtClean="0"/>
-              <a:t>3/25/2020</a:t>
+              <a:t>4/9/2020</a:t>
             </a:fld>
             <a:endParaRPr lang="en-US" dirty="0"/>
           </a:p>
@@ -1372,7 +1375,7 @@
           <a:p>
             <a:fld id="{97669AF7-7BEB-44E4-9852-375E34362B5B}" type="datetime1">
               <a:rPr lang="en-US" smtClean="0"/>
-              <a:t>3/25/2020</a:t>
+              <a:t>4/9/2020</a:t>
             </a:fld>
             <a:endParaRPr lang="en-US" dirty="0"/>
           </a:p>
@@ -1627,7 +1630,7 @@
           <a:p>
             <a:fld id="{BAAAC38D-0552-4C82-B593-E6124DFADBE2}" type="datetime1">
               <a:rPr lang="en-US" smtClean="0"/>
-              <a:t>3/25/2020</a:t>
+              <a:t>4/9/2020</a:t>
             </a:fld>
             <a:endParaRPr lang="en-US" dirty="0"/>
           </a:p>
@@ -2024,7 +2027,7 @@
           <a:p>
             <a:fld id="{D9DF0F1C-5577-4ACB-BB62-DF8F3C494C7E}" type="datetime1">
               <a:rPr lang="en-US" smtClean="0"/>
-              <a:t>3/25/2020</a:t>
+              <a:t>4/9/2020</a:t>
             </a:fld>
             <a:endParaRPr lang="en-US" dirty="0"/>
           </a:p>
@@ -2160,7 +2163,7 @@
           <a:p>
             <a:fld id="{1775B394-D9F9-4F0C-B15D-605F45CB9E9F}" type="datetime1">
               <a:rPr lang="en-US" smtClean="0"/>
-              <a:t>3/25/2020</a:t>
+              <a:t>4/9/2020</a:t>
             </a:fld>
             <a:endParaRPr lang="en-US" dirty="0"/>
           </a:p>
@@ -2317,7 +2320,7 @@
           <a:p>
             <a:fld id="{39667345-2558-425A-8533-9BFDBCE15005}" type="datetime1">
               <a:rPr lang="en-US" smtClean="0"/>
-              <a:t>3/25/2020</a:t>
+              <a:t>4/9/2020</a:t>
             </a:fld>
             <a:endParaRPr lang="en-US" dirty="0"/>
           </a:p>
@@ -2646,7 +2649,7 @@
           <a:p>
             <a:fld id="{92BEA474-078D-4E9B-9B14-09A87B19DC46}" type="datetime1">
               <a:rPr lang="en-US" smtClean="0"/>
-              <a:t>3/25/2020</a:t>
+              <a:t>4/9/2020</a:t>
             </a:fld>
             <a:endParaRPr lang="en-US" dirty="0"/>
           </a:p>
@@ -2996,7 +2999,7 @@
           <a:p>
             <a:fld id="{4907D986-8816-4272-A432-0437A28A9828}" type="datetime1">
               <a:rPr lang="en-US" smtClean="0"/>
-              <a:t>3/25/2020</a:t>
+              <a:t>4/9/2020</a:t>
             </a:fld>
             <a:endParaRPr lang="en-US" dirty="0"/>
           </a:p>
@@ -3257,7 +3260,7 @@
           <a:p>
             <a:fld id="{62D6E202-B606-4609-B914-27C9371A1F6D}" type="datetime1">
               <a:rPr lang="en-US" smtClean="0"/>
-              <a:t>3/25/2020</a:t>
+              <a:t>4/9/2020</a:t>
             </a:fld>
             <a:endParaRPr lang="en-US" dirty="0"/>
           </a:p>
@@ -4844,15 +4847,6 @@
               <a:t>Response Status Codes</a:t>
             </a:r>
             <a:br>
-              <a:rPr lang="en-US" dirty="0"/>
-            </a:br>
-            <a:r>
-              <a:rPr lang="en-US" sz="1400" dirty="0">
-                <a:hlinkClick r:id="rId2"/>
-              </a:rPr>
-              <a:t>https://www.smartlabsoftware.com/ref/http-status-codes.htm</a:t>
-            </a:r>
-            <a:br>
               <a:rPr lang="en-US" sz="1400" dirty="0"/>
             </a:br>
             <a:r>
@@ -4860,6 +4854,15 @@
                 <a:hlinkClick r:id="rId2"/>
               </a:rPr>
               <a:t>https://www.smartlabsoftware.com/ref/http-status-codes.htm</a:t>
+            </a:r>
+            <a:br>
+              <a:rPr lang="en-US" sz="1600" dirty="0"/>
+            </a:br>
+            <a:r>
+              <a:rPr lang="en-US" sz="1600" dirty="0">
+                <a:hlinkClick r:id="rId3"/>
+              </a:rPr>
+              <a:t>https://developer.mozilla.org/en-US/docs/Web/HTTP/Status</a:t>
             </a:r>
             <a:endParaRPr lang="en-US" dirty="0"/>
           </a:p>
@@ -4916,14 +4919,14 @@
           <p:nvPr>
             <p:extLst>
               <p:ext uri="{D42A27DB-BD31-4B8C-83A1-F6EECF244321}">
-                <p14:modId xmlns:p14="http://schemas.microsoft.com/office/powerpoint/2010/main" val="2109313193"/>
+                <p14:modId xmlns:p14="http://schemas.microsoft.com/office/powerpoint/2010/main" val="1829082348"/>
               </p:ext>
             </p:extLst>
           </p:nvPr>
         </p:nvGraphicFramePr>
         <p:xfrm>
-          <a:off x="387926" y="1245062"/>
-          <a:ext cx="11499273" cy="5557520"/>
+          <a:off x="662245" y="1245062"/>
+          <a:ext cx="10950636" cy="5557520"/>
         </p:xfrm>
         <a:graphic>
           <a:graphicData uri="http://schemas.openxmlformats.org/drawingml/2006/table">
@@ -4932,14 +4935,14 @@
                 <a:tableStyleId>{5C22544A-7EE6-4342-B048-85BDC9FD1C3A}</a:tableStyleId>
               </a:tblPr>
               <a:tblGrid>
-                <a:gridCol w="2410692">
+                <a:gridCol w="2446715">
                   <a:extLst>
                     <a:ext uri="{9D8B030D-6E8A-4147-A177-3AD203B41FA5}">
                       <a16:colId xmlns:a16="http://schemas.microsoft.com/office/drawing/2014/main" val="1303011937"/>
                     </a:ext>
                   </a:extLst>
                 </a:gridCol>
-                <a:gridCol w="9088581">
+                <a:gridCol w="8503921">
                   <a:extLst>
                     <a:ext uri="{9D8B030D-6E8A-4147-A177-3AD203B41FA5}">
                       <a16:colId xmlns:a16="http://schemas.microsoft.com/office/drawing/2014/main" val="2517732197"/>
@@ -4960,7 +4963,7 @@
                       </a:r>
                     </a:p>
                   </a:txBody>
-                  <a:tcPr/>
+                  <a:tcPr anchor="ctr"/>
                 </a:tc>
                 <a:tc>
                   <a:txBody>
@@ -4974,7 +4977,7 @@
                       </a:r>
                     </a:p>
                   </a:txBody>
-                  <a:tcPr/>
+                  <a:tcPr anchor="ctr"/>
                 </a:tc>
                 <a:extLst>
                   <a:ext uri="{0D108BD9-81ED-4DB2-BD59-A6C34878D82A}">
@@ -4990,11 +4993,11 @@
                     <a:p>
                       <a:r>
                         <a:rPr lang="en-US" sz="1600" b="0" dirty="0"/>
-                        <a:t>200 OK</a:t>
+                        <a:t>200 OK, 201</a:t>
                       </a:r>
                     </a:p>
                   </a:txBody>
-                  <a:tcPr/>
+                  <a:tcPr anchor="ctr"/>
                 </a:tc>
                 <a:tc>
                   <a:txBody>
@@ -5003,11 +5006,19 @@
                     <a:p>
                       <a:r>
                         <a:rPr lang="en-US" sz="1600" dirty="0"/>
-                        <a:t>The request has succeeded.</a:t>
+                        <a:t>The request has succeeded., request has been fulfilled resulting in new resource(</a:t>
+                      </a:r>
+                      <a:r>
+                        <a:rPr lang="en-US" sz="1600"/>
+                        <a:t>s) </a:t>
+                      </a:r>
+                      <a:r>
+                        <a:rPr lang="en-US" sz="1600" dirty="0"/>
+                        <a:t>created.</a:t>
                       </a:r>
                     </a:p>
                   </a:txBody>
-                  <a:tcPr/>
+                  <a:tcPr anchor="ctr"/>
                 </a:tc>
                 <a:extLst>
                   <a:ext uri="{0D108BD9-81ED-4DB2-BD59-A6C34878D82A}">
@@ -5052,7 +5063,7 @@
                       </a:r>
                     </a:p>
                   </a:txBody>
-                  <a:tcPr/>
+                  <a:tcPr anchor="ctr"/>
                 </a:tc>
                 <a:tc>
                   <a:txBody>
@@ -5065,7 +5076,7 @@
                       </a:r>
                     </a:p>
                   </a:txBody>
-                  <a:tcPr/>
+                  <a:tcPr anchor="ctr"/>
                 </a:tc>
                 <a:extLst>
                   <a:ext uri="{0D108BD9-81ED-4DB2-BD59-A6C34878D82A}">
@@ -5085,7 +5096,7 @@
                       </a:r>
                     </a:p>
                   </a:txBody>
-                  <a:tcPr/>
+                  <a:tcPr anchor="ctr"/>
                 </a:tc>
                 <a:tc>
                   <a:txBody>
@@ -5098,7 +5109,7 @@
                       </a:r>
                     </a:p>
                   </a:txBody>
-                  <a:tcPr/>
+                  <a:tcPr anchor="ctr"/>
                 </a:tc>
                 <a:extLst>
                   <a:ext uri="{0D108BD9-81ED-4DB2-BD59-A6C34878D82A}">
@@ -5118,7 +5129,7 @@
                       </a:r>
                     </a:p>
                   </a:txBody>
-                  <a:tcPr/>
+                  <a:tcPr anchor="ctr"/>
                 </a:tc>
                 <a:tc>
                   <a:txBody>
@@ -5127,11 +5138,11 @@
                     <a:p>
                       <a:r>
                         <a:rPr lang="en-US" sz="1600" dirty="0"/>
-                        <a:t>The requested resource resides temporarily under a different URI. </a:t>
+                        <a:t>Client performed a conditional GET request. Access is allowed. The document is unmodified</a:t>
                       </a:r>
                     </a:p>
                   </a:txBody>
-                  <a:tcPr/>
+                  <a:tcPr anchor="ctr"/>
                 </a:tc>
                 <a:extLst>
                   <a:ext uri="{0D108BD9-81ED-4DB2-BD59-A6C34878D82A}">
@@ -5151,7 +5162,7 @@
                       </a:r>
                     </a:p>
                   </a:txBody>
-                  <a:tcPr/>
+                  <a:tcPr anchor="ctr"/>
                 </a:tc>
                 <a:tc>
                   <a:txBody>
@@ -5164,7 +5175,7 @@
                       </a:r>
                     </a:p>
                   </a:txBody>
-                  <a:tcPr/>
+                  <a:tcPr anchor="ctr"/>
                 </a:tc>
                 <a:extLst>
                   <a:ext uri="{0D108BD9-81ED-4DB2-BD59-A6C34878D82A}">
@@ -5184,7 +5195,7 @@
                       </a:r>
                     </a:p>
                   </a:txBody>
-                  <a:tcPr/>
+                  <a:tcPr anchor="ctr"/>
                 </a:tc>
                 <a:tc>
                   <a:txBody>
@@ -5197,7 +5208,7 @@
                       </a:r>
                     </a:p>
                   </a:txBody>
-                  <a:tcPr/>
+                  <a:tcPr anchor="ctr"/>
                 </a:tc>
                 <a:extLst>
                   <a:ext uri="{0D108BD9-81ED-4DB2-BD59-A6C34878D82A}">
@@ -5217,7 +5228,7 @@
                       </a:r>
                     </a:p>
                   </a:txBody>
-                  <a:tcPr/>
+                  <a:tcPr anchor="ctr"/>
                 </a:tc>
                 <a:tc>
                   <a:txBody>
@@ -5230,7 +5241,7 @@
                       </a:r>
                     </a:p>
                   </a:txBody>
-                  <a:tcPr/>
+                  <a:tcPr anchor="ctr"/>
                 </a:tc>
                 <a:extLst>
                   <a:ext uri="{0D108BD9-81ED-4DB2-BD59-A6C34878D82A}">
@@ -5250,7 +5261,7 @@
                       </a:r>
                     </a:p>
                   </a:txBody>
-                  <a:tcPr/>
+                  <a:tcPr anchor="ctr"/>
                 </a:tc>
                 <a:tc>
                   <a:txBody>
@@ -5263,7 +5274,7 @@
                       </a:r>
                     </a:p>
                   </a:txBody>
-                  <a:tcPr/>
+                  <a:tcPr anchor="ctr"/>
                 </a:tc>
                 <a:extLst>
                   <a:ext uri="{0D108BD9-81ED-4DB2-BD59-A6C34878D82A}">
@@ -5283,7 +5294,7 @@
                       </a:r>
                     </a:p>
                   </a:txBody>
-                  <a:tcPr/>
+                  <a:tcPr anchor="ctr"/>
                 </a:tc>
                 <a:tc>
                   <a:txBody>
@@ -5296,7 +5307,7 @@
                       </a:r>
                     </a:p>
                   </a:txBody>
-                  <a:tcPr/>
+                  <a:tcPr anchor="ctr"/>
                 </a:tc>
                 <a:extLst>
                   <a:ext uri="{0D108BD9-81ED-4DB2-BD59-A6C34878D82A}">
@@ -5316,7 +5327,7 @@
                       </a:r>
                     </a:p>
                   </a:txBody>
-                  <a:tcPr/>
+                  <a:tcPr anchor="ctr"/>
                 </a:tc>
                 <a:tc>
                   <a:txBody>
@@ -5329,7 +5340,7 @@
                       </a:r>
                     </a:p>
                   </a:txBody>
-                  <a:tcPr/>
+                  <a:tcPr anchor="ctr"/>
                 </a:tc>
                 <a:extLst>
                   <a:ext uri="{0D108BD9-81ED-4DB2-BD59-A6C34878D82A}">
@@ -5349,7 +5360,7 @@
                       </a:r>
                     </a:p>
                   </a:txBody>
-                  <a:tcPr/>
+                  <a:tcPr anchor="ctr"/>
                 </a:tc>
                 <a:tc>
                   <a:txBody>
@@ -5362,7 +5373,7 @@
                       </a:r>
                     </a:p>
                   </a:txBody>
-                  <a:tcPr/>
+                  <a:tcPr anchor="ctr"/>
                 </a:tc>
                 <a:extLst>
                   <a:ext uri="{0D108BD9-81ED-4DB2-BD59-A6C34878D82A}">
@@ -5382,7 +5393,7 @@
                       </a:r>
                     </a:p>
                   </a:txBody>
-                  <a:tcPr/>
+                  <a:tcPr anchor="ctr"/>
                 </a:tc>
                 <a:tc>
                   <a:txBody>
@@ -5395,7 +5406,7 @@
                       </a:r>
                     </a:p>
                   </a:txBody>
-                  <a:tcPr/>
+                  <a:tcPr anchor="ctr"/>
                 </a:tc>
                 <a:extLst>
                   <a:ext uri="{0D108BD9-81ED-4DB2-BD59-A6C34878D82A}">
@@ -5415,7 +5426,7 @@
                       </a:r>
                     </a:p>
                   </a:txBody>
-                  <a:tcPr/>
+                  <a:tcPr anchor="ctr"/>
                 </a:tc>
                 <a:tc>
                   <a:txBody>
@@ -5428,7 +5439,7 @@
                       </a:r>
                     </a:p>
                   </a:txBody>
-                  <a:tcPr/>
+                  <a:tcPr anchor="ctr"/>
                 </a:tc>
                 <a:extLst>
                   <a:ext uri="{0D108BD9-81ED-4DB2-BD59-A6C34878D82A}">
@@ -5448,7 +5459,7 @@
                       </a:r>
                     </a:p>
                   </a:txBody>
-                  <a:tcPr/>
+                  <a:tcPr anchor="ctr"/>
                 </a:tc>
                 <a:tc>
                   <a:txBody>
@@ -5456,16 +5467,12 @@
                     <a:lstStyle/>
                     <a:p>
                       <a:r>
-                        <a:rPr lang="en-US" sz="1600"/>
-                        <a:t>Your </a:t>
-                      </a:r>
-                      <a:r>
                         <a:rPr lang="en-US" sz="1600" dirty="0"/>
-                        <a:t>account does not have permission to perform the action you are attempting.</a:t>
+                        <a:t>Your account does not have permission to perform the action you are attempting.</a:t>
                       </a:r>
                     </a:p>
                   </a:txBody>
-                  <a:tcPr/>
+                  <a:tcPr anchor="ctr"/>
                 </a:tc>
                 <a:extLst>
                   <a:ext uri="{0D108BD9-81ED-4DB2-BD59-A6C34878D82A}">
@@ -5481,6 +5488,324 @@
     <p:extLst>
       <p:ext uri="{BB962C8B-B14F-4D97-AF65-F5344CB8AC3E}">
         <p14:creationId xmlns:p14="http://schemas.microsoft.com/office/powerpoint/2010/main" val="4201335690"/>
+      </p:ext>
+    </p:extLst>
+  </p:cSld>
+  <p:clrMapOvr>
+    <a:masterClrMapping/>
+  </p:clrMapOvr>
+</p:sld>
+</file>
+
+<file path=ppt/slides/slide13.xml><?xml version="1.0" encoding="utf-8"?>
+<p:sld xmlns:a="http://schemas.openxmlformats.org/drawingml/2006/main" xmlns:r="http://schemas.openxmlformats.org/officeDocument/2006/relationships" xmlns:p="http://schemas.openxmlformats.org/presentationml/2006/main">
+  <p:cSld>
+    <p:spTree>
+      <p:nvGrpSpPr>
+        <p:cNvPr id="1" name=""/>
+        <p:cNvGrpSpPr/>
+        <p:nvPr/>
+      </p:nvGrpSpPr>
+      <p:grpSpPr>
+        <a:xfrm>
+          <a:off x="0" y="0"/>
+          <a:ext cx="0" cy="0"/>
+          <a:chOff x="0" y="0"/>
+          <a:chExt cx="0" cy="0"/>
+        </a:xfrm>
+      </p:grpSpPr>
+      <p:sp>
+        <p:nvSpPr>
+          <p:cNvPr id="2" name="Title 1">
+            <a:extLst>
+              <a:ext uri="{FF2B5EF4-FFF2-40B4-BE49-F238E27FC236}">
+                <a16:creationId xmlns:a16="http://schemas.microsoft.com/office/drawing/2014/main" id="{3A222AD8-276D-4F81-B59E-4686984D9195}"/>
+              </a:ext>
+            </a:extLst>
+          </p:cNvPr>
+          <p:cNvSpPr>
+            <a:spLocks noGrp="1"/>
+          </p:cNvSpPr>
+          <p:nvPr>
+            <p:ph type="title"/>
+          </p:nvPr>
+        </p:nvSpPr>
+        <p:spPr/>
+        <p:txBody>
+          <a:bodyPr/>
+          <a:lstStyle/>
+          <a:p>
+            <a:r>
+              <a:rPr lang="en-US" dirty="0"/>
+              <a:t>Safe, Idempotent, </a:t>
+            </a:r>
+          </a:p>
+        </p:txBody>
+      </p:sp>
+      <p:sp>
+        <p:nvSpPr>
+          <p:cNvPr id="3" name="Content Placeholder 2">
+            <a:extLst>
+              <a:ext uri="{FF2B5EF4-FFF2-40B4-BE49-F238E27FC236}">
+                <a16:creationId xmlns:a16="http://schemas.microsoft.com/office/drawing/2014/main" id="{ECC536CD-19F4-4775-B3C0-219D879BA6CC}"/>
+              </a:ext>
+            </a:extLst>
+          </p:cNvPr>
+          <p:cNvSpPr>
+            <a:spLocks noGrp="1"/>
+          </p:cNvSpPr>
+          <p:nvPr>
+            <p:ph idx="1"/>
+          </p:nvPr>
+        </p:nvSpPr>
+        <p:spPr/>
+        <p:txBody>
+          <a:bodyPr/>
+          <a:lstStyle/>
+          <a:p>
+            <a:r>
+              <a:rPr lang="en-US" dirty="0">
+                <a:hlinkClick r:id="rId2"/>
+              </a:rPr>
+              <a:t>https://developer.mozilla.org/en-US/docs/Glossary/safe</a:t>
+            </a:r>
+            <a:endParaRPr lang="en-US" dirty="0"/>
+          </a:p>
+          <a:p>
+            <a:r>
+              <a:rPr lang="en-US" dirty="0">
+                <a:hlinkClick r:id="rId3"/>
+              </a:rPr>
+              <a:t>https://developer.mozilla.org/en-US/docs/Glossary/Idempotent</a:t>
+            </a:r>
+            <a:endParaRPr lang="en-US" dirty="0"/>
+          </a:p>
+        </p:txBody>
+      </p:sp>
+      <p:pic>
+        <p:nvPicPr>
+          <p:cNvPr id="4" name="Picture 3">
+            <a:extLst>
+              <a:ext uri="{FF2B5EF4-FFF2-40B4-BE49-F238E27FC236}">
+                <a16:creationId xmlns:a16="http://schemas.microsoft.com/office/drawing/2014/main" id="{DD5E5EFA-86FA-46C3-8D67-ADC1160CC9E9}"/>
+              </a:ext>
+            </a:extLst>
+          </p:cNvPr>
+          <p:cNvPicPr>
+            <a:picLocks noChangeAspect="1"/>
+          </p:cNvPicPr>
+          <p:nvPr/>
+        </p:nvPicPr>
+        <p:blipFill>
+          <a:blip r:embed="rId4"/>
+          <a:stretch>
+            <a:fillRect/>
+          </a:stretch>
+        </p:blipFill>
+        <p:spPr>
+          <a:xfrm>
+            <a:off x="1356164" y="3867539"/>
+            <a:ext cx="8842196" cy="1351675"/>
+          </a:xfrm>
+          <a:prstGeom prst="rect">
+            <a:avLst/>
+          </a:prstGeom>
+        </p:spPr>
+      </p:pic>
+    </p:spTree>
+    <p:extLst>
+      <p:ext uri="{BB962C8B-B14F-4D97-AF65-F5344CB8AC3E}">
+        <p14:creationId xmlns:p14="http://schemas.microsoft.com/office/powerpoint/2010/main" val="2076936897"/>
+      </p:ext>
+    </p:extLst>
+  </p:cSld>
+  <p:clrMapOvr>
+    <a:masterClrMapping/>
+  </p:clrMapOvr>
+</p:sld>
+</file>
+
+<file path=ppt/slides/slide14.xml><?xml version="1.0" encoding="utf-8"?>
+<p:sld xmlns:a="http://schemas.openxmlformats.org/drawingml/2006/main" xmlns:r="http://schemas.openxmlformats.org/officeDocument/2006/relationships" xmlns:p="http://schemas.openxmlformats.org/presentationml/2006/main">
+  <p:cSld>
+    <p:spTree>
+      <p:nvGrpSpPr>
+        <p:cNvPr id="1" name=""/>
+        <p:cNvGrpSpPr/>
+        <p:nvPr/>
+      </p:nvGrpSpPr>
+      <p:grpSpPr>
+        <a:xfrm>
+          <a:off x="0" y="0"/>
+          <a:ext cx="0" cy="0"/>
+          <a:chOff x="0" y="0"/>
+          <a:chExt cx="0" cy="0"/>
+        </a:xfrm>
+      </p:grpSpPr>
+      <p:sp>
+        <p:nvSpPr>
+          <p:cNvPr id="2" name="Title 1">
+            <a:extLst>
+              <a:ext uri="{FF2B5EF4-FFF2-40B4-BE49-F238E27FC236}">
+                <a16:creationId xmlns:a16="http://schemas.microsoft.com/office/drawing/2014/main" id="{E699C02F-A56E-4BEE-B186-FE47C188EF2D}"/>
+              </a:ext>
+            </a:extLst>
+          </p:cNvPr>
+          <p:cNvSpPr>
+            <a:spLocks noGrp="1"/>
+          </p:cNvSpPr>
+          <p:nvPr>
+            <p:ph type="title"/>
+          </p:nvPr>
+        </p:nvSpPr>
+        <p:spPr/>
+        <p:txBody>
+          <a:bodyPr/>
+          <a:lstStyle/>
+          <a:p>
+            <a:endParaRPr lang="en-US"/>
+          </a:p>
+        </p:txBody>
+      </p:sp>
+      <p:sp>
+        <p:nvSpPr>
+          <p:cNvPr id="3" name="Content Placeholder 2">
+            <a:extLst>
+              <a:ext uri="{FF2B5EF4-FFF2-40B4-BE49-F238E27FC236}">
+                <a16:creationId xmlns:a16="http://schemas.microsoft.com/office/drawing/2014/main" id="{160A2506-FC0A-4FD4-8466-CF798587B14F}"/>
+              </a:ext>
+            </a:extLst>
+          </p:cNvPr>
+          <p:cNvSpPr>
+            <a:spLocks noGrp="1"/>
+          </p:cNvSpPr>
+          <p:nvPr>
+            <p:ph idx="1"/>
+          </p:nvPr>
+        </p:nvSpPr>
+        <p:spPr/>
+        <p:txBody>
+          <a:bodyPr/>
+          <a:lstStyle/>
+          <a:p>
+            <a:endParaRPr lang="en-US"/>
+          </a:p>
+        </p:txBody>
+      </p:sp>
+    </p:spTree>
+    <p:extLst>
+      <p:ext uri="{BB962C8B-B14F-4D97-AF65-F5344CB8AC3E}">
+        <p14:creationId xmlns:p14="http://schemas.microsoft.com/office/powerpoint/2010/main" val="3860968063"/>
+      </p:ext>
+    </p:extLst>
+  </p:cSld>
+  <p:clrMapOvr>
+    <a:masterClrMapping/>
+  </p:clrMapOvr>
+</p:sld>
+</file>
+
+<file path=ppt/slides/slide15.xml><?xml version="1.0" encoding="utf-8"?>
+<p:sld xmlns:a="http://schemas.openxmlformats.org/drawingml/2006/main" xmlns:r="http://schemas.openxmlformats.org/officeDocument/2006/relationships" xmlns:p="http://schemas.openxmlformats.org/presentationml/2006/main">
+  <p:cSld>
+    <p:spTree>
+      <p:nvGrpSpPr>
+        <p:cNvPr id="1" name=""/>
+        <p:cNvGrpSpPr/>
+        <p:nvPr/>
+      </p:nvGrpSpPr>
+      <p:grpSpPr>
+        <a:xfrm>
+          <a:off x="0" y="0"/>
+          <a:ext cx="0" cy="0"/>
+          <a:chOff x="0" y="0"/>
+          <a:chExt cx="0" cy="0"/>
+        </a:xfrm>
+      </p:grpSpPr>
+      <p:sp>
+        <p:nvSpPr>
+          <p:cNvPr id="2" name="Title 1">
+            <a:extLst>
+              <a:ext uri="{FF2B5EF4-FFF2-40B4-BE49-F238E27FC236}">
+                <a16:creationId xmlns:a16="http://schemas.microsoft.com/office/drawing/2014/main" id="{960E0740-78D7-4BB9-AEA4-938DAE8D5B3B}"/>
+              </a:ext>
+            </a:extLst>
+          </p:cNvPr>
+          <p:cNvSpPr>
+            <a:spLocks noGrp="1"/>
+          </p:cNvSpPr>
+          <p:nvPr>
+            <p:ph type="title"/>
+          </p:nvPr>
+        </p:nvSpPr>
+        <p:spPr/>
+        <p:txBody>
+          <a:bodyPr/>
+          <a:lstStyle/>
+          <a:p>
+            <a:r>
+              <a:rPr lang="en-US" dirty="0"/>
+              <a:t>Additional Resources</a:t>
+            </a:r>
+          </a:p>
+        </p:txBody>
+      </p:sp>
+      <p:sp>
+        <p:nvSpPr>
+          <p:cNvPr id="3" name="Content Placeholder 2">
+            <a:extLst>
+              <a:ext uri="{FF2B5EF4-FFF2-40B4-BE49-F238E27FC236}">
+                <a16:creationId xmlns:a16="http://schemas.microsoft.com/office/drawing/2014/main" id="{520C536D-7919-43A9-8F39-FFF350D7E4C5}"/>
+              </a:ext>
+            </a:extLst>
+          </p:cNvPr>
+          <p:cNvSpPr>
+            <a:spLocks noGrp="1"/>
+          </p:cNvSpPr>
+          <p:nvPr>
+            <p:ph idx="1"/>
+          </p:nvPr>
+        </p:nvSpPr>
+        <p:spPr/>
+        <p:txBody>
+          <a:bodyPr/>
+          <a:lstStyle/>
+          <a:p>
+            <a:r>
+              <a:rPr lang="en-US" dirty="0"/>
+              <a:t>This may be a better place for accurate info than  the sources I used.</a:t>
+            </a:r>
+            <a:endParaRPr lang="en-US" dirty="0">
+              <a:hlinkClick r:id="rId2"/>
+            </a:endParaRPr>
+          </a:p>
+          <a:p>
+            <a:r>
+              <a:rPr lang="en-US" dirty="0">
+                <a:hlinkClick r:id="rId2"/>
+              </a:rPr>
+              <a:t>https://developer.mozilla.org/en-US/docs/Web/HTTP/Overview#HTTP_Messages</a:t>
+            </a:r>
+            <a:endParaRPr lang="en-US" dirty="0"/>
+          </a:p>
+          <a:p>
+            <a:r>
+              <a:rPr lang="en-US" dirty="0">
+                <a:hlinkClick r:id="rId3"/>
+              </a:rPr>
+              <a:t>https://docs.microsoft.com/en-us/azure/architecture/best-practices/api-design</a:t>
+            </a:r>
+            <a:endParaRPr lang="en-US" dirty="0"/>
+          </a:p>
+          <a:p>
+            <a:endParaRPr lang="en-US" dirty="0"/>
+          </a:p>
+        </p:txBody>
+      </p:sp>
+    </p:spTree>
+    <p:extLst>
+      <p:ext uri="{BB962C8B-B14F-4D97-AF65-F5344CB8AC3E}">
+        <p14:creationId xmlns:p14="http://schemas.microsoft.com/office/powerpoint/2010/main" val="1234502021"/>
       </p:ext>
     </p:extLst>
   </p:cSld>
